--- a/stuff.pptx
+++ b/stuff.pptx
@@ -106,7 +106,57 @@
       </a:defRPr>
     </a:lvl9pPr>
   </p:defaultTextStyle>
+  <p:extLst>
+    <p:ext uri="{EFAFB233-063F-42B5-8137-9DF3F51BA10A}">
+      <p15:sldGuideLst xmlns:p15="http://schemas.microsoft.com/office/powerpoint/2012/main"/>
+    </p:ext>
+  </p:extLst>
 </p:presentation>
+</file>
+
+<file path=ppt/revisionInfo.xml><?xml version="1.0" encoding="utf-8"?>
+<p1510:revInfo xmlns:a="http://schemas.openxmlformats.org/drawingml/2006/main" xmlns:r="http://schemas.openxmlformats.org/officeDocument/2006/relationships" xmlns:p1510="http://schemas.microsoft.com/office/powerpoint/2015/10/main">
+  <p1510:revLst>
+    <p1510:client id="{C1DAF66B-7642-49C4-93F7-FB3B0EB51B85}" v="2" dt="2024-11-22T16:02:58.670"/>
+  </p1510:revLst>
+</p1510:revInfo>
+</file>
+
+<file path=ppt/changesInfos/changesInfo1.xml><?xml version="1.0" encoding="utf-8"?>
+<pc:chgInfo xmlns:a="http://schemas.openxmlformats.org/drawingml/2006/main" xmlns:r="http://schemas.openxmlformats.org/officeDocument/2006/relationships" xmlns:ac="http://schemas.microsoft.com/office/drawing/2013/main/command" xmlns:pc="http://schemas.microsoft.com/office/powerpoint/2013/main/command">
+  <pc:docChgLst>
+    <pc:chgData name="Uros Kuzmanov" userId="9dea3f15909c750c" providerId="LiveId" clId="{C1DAF66B-7642-49C4-93F7-FB3B0EB51B85}"/>
+    <pc:docChg chg="custSel modSld">
+      <pc:chgData name="Uros Kuzmanov" userId="9dea3f15909c750c" providerId="LiveId" clId="{C1DAF66B-7642-49C4-93F7-FB3B0EB51B85}" dt="2024-11-22T16:03:06.324" v="8" actId="478"/>
+      <pc:docMkLst>
+        <pc:docMk/>
+      </pc:docMkLst>
+      <pc:sldChg chg="addSp delSp modSp mod">
+        <pc:chgData name="Uros Kuzmanov" userId="9dea3f15909c750c" providerId="LiveId" clId="{C1DAF66B-7642-49C4-93F7-FB3B0EB51B85}" dt="2024-11-22T16:03:06.324" v="8" actId="478"/>
+        <pc:sldMkLst>
+          <pc:docMk/>
+          <pc:sldMk cId="2848551230" sldId="258"/>
+        </pc:sldMkLst>
+        <pc:picChg chg="add del mod">
+          <ac:chgData name="Uros Kuzmanov" userId="9dea3f15909c750c" providerId="LiveId" clId="{C1DAF66B-7642-49C4-93F7-FB3B0EB51B85}" dt="2024-11-22T16:02:45.196" v="3" actId="478"/>
+          <ac:picMkLst>
+            <pc:docMk/>
+            <pc:sldMk cId="2848551230" sldId="258"/>
+            <ac:picMk id="3" creationId="{8EC1E886-D4F8-13CB-C5CF-FF86D241353D}"/>
+          </ac:picMkLst>
+        </pc:picChg>
+        <pc:picChg chg="add del mod">
+          <ac:chgData name="Uros Kuzmanov" userId="9dea3f15909c750c" providerId="LiveId" clId="{C1DAF66B-7642-49C4-93F7-FB3B0EB51B85}" dt="2024-11-22T16:03:06.324" v="8" actId="478"/>
+          <ac:picMkLst>
+            <pc:docMk/>
+            <pc:sldMk cId="2848551230" sldId="258"/>
+            <ac:picMk id="6" creationId="{62292BB5-7E95-9E58-E031-7907ADCEC122}"/>
+          </ac:picMkLst>
+        </pc:picChg>
+      </pc:sldChg>
+    </pc:docChg>
+  </pc:docChgLst>
+</pc:chgInfo>
 </file>
 
 <file path=ppt/slideLayouts/slideLayout1.xml><?xml version="1.0" encoding="utf-8"?>
@@ -258,7 +308,7 @@
           <a:p>
             <a:fld id="{4542B8FD-B58F-4A40-AB07-6B63356AD746}" type="datetimeFigureOut">
               <a:rPr lang="en-CA" smtClean="0"/>
-              <a:t>2024-11-14</a:t>
+              <a:t>2024-11-22</a:t>
             </a:fld>
             <a:endParaRPr lang="en-CA"/>
           </a:p>
@@ -458,7 +508,7 @@
           <a:p>
             <a:fld id="{4542B8FD-B58F-4A40-AB07-6B63356AD746}" type="datetimeFigureOut">
               <a:rPr lang="en-CA" smtClean="0"/>
-              <a:t>2024-11-14</a:t>
+              <a:t>2024-11-22</a:t>
             </a:fld>
             <a:endParaRPr lang="en-CA"/>
           </a:p>
@@ -668,7 +718,7 @@
           <a:p>
             <a:fld id="{4542B8FD-B58F-4A40-AB07-6B63356AD746}" type="datetimeFigureOut">
               <a:rPr lang="en-CA" smtClean="0"/>
-              <a:t>2024-11-14</a:t>
+              <a:t>2024-11-22</a:t>
             </a:fld>
             <a:endParaRPr lang="en-CA"/>
           </a:p>
@@ -868,7 +918,7 @@
           <a:p>
             <a:fld id="{4542B8FD-B58F-4A40-AB07-6B63356AD746}" type="datetimeFigureOut">
               <a:rPr lang="en-CA" smtClean="0"/>
-              <a:t>2024-11-14</a:t>
+              <a:t>2024-11-22</a:t>
             </a:fld>
             <a:endParaRPr lang="en-CA"/>
           </a:p>
@@ -1144,7 +1194,7 @@
           <a:p>
             <a:fld id="{4542B8FD-B58F-4A40-AB07-6B63356AD746}" type="datetimeFigureOut">
               <a:rPr lang="en-CA" smtClean="0"/>
-              <a:t>2024-11-14</a:t>
+              <a:t>2024-11-22</a:t>
             </a:fld>
             <a:endParaRPr lang="en-CA"/>
           </a:p>
@@ -1412,7 +1462,7 @@
           <a:p>
             <a:fld id="{4542B8FD-B58F-4A40-AB07-6B63356AD746}" type="datetimeFigureOut">
               <a:rPr lang="en-CA" smtClean="0"/>
-              <a:t>2024-11-14</a:t>
+              <a:t>2024-11-22</a:t>
             </a:fld>
             <a:endParaRPr lang="en-CA"/>
           </a:p>
@@ -1827,7 +1877,7 @@
           <a:p>
             <a:fld id="{4542B8FD-B58F-4A40-AB07-6B63356AD746}" type="datetimeFigureOut">
               <a:rPr lang="en-CA" smtClean="0"/>
-              <a:t>2024-11-14</a:t>
+              <a:t>2024-11-22</a:t>
             </a:fld>
             <a:endParaRPr lang="en-CA"/>
           </a:p>
@@ -1969,7 +2019,7 @@
           <a:p>
             <a:fld id="{4542B8FD-B58F-4A40-AB07-6B63356AD746}" type="datetimeFigureOut">
               <a:rPr lang="en-CA" smtClean="0"/>
-              <a:t>2024-11-14</a:t>
+              <a:t>2024-11-22</a:t>
             </a:fld>
             <a:endParaRPr lang="en-CA"/>
           </a:p>
@@ -2082,7 +2132,7 @@
           <a:p>
             <a:fld id="{4542B8FD-B58F-4A40-AB07-6B63356AD746}" type="datetimeFigureOut">
               <a:rPr lang="en-CA" smtClean="0"/>
-              <a:t>2024-11-14</a:t>
+              <a:t>2024-11-22</a:t>
             </a:fld>
             <a:endParaRPr lang="en-CA"/>
           </a:p>
@@ -2395,7 +2445,7 @@
           <a:p>
             <a:fld id="{4542B8FD-B58F-4A40-AB07-6B63356AD746}" type="datetimeFigureOut">
               <a:rPr lang="en-CA" smtClean="0"/>
-              <a:t>2024-11-14</a:t>
+              <a:t>2024-11-22</a:t>
             </a:fld>
             <a:endParaRPr lang="en-CA"/>
           </a:p>
@@ -2684,7 +2734,7 @@
           <a:p>
             <a:fld id="{4542B8FD-B58F-4A40-AB07-6B63356AD746}" type="datetimeFigureOut">
               <a:rPr lang="en-CA" smtClean="0"/>
-              <a:t>2024-11-14</a:t>
+              <a:t>2024-11-22</a:t>
             </a:fld>
             <a:endParaRPr lang="en-CA"/>
           </a:p>
@@ -2927,7 +2977,7 @@
           <a:p>
             <a:fld id="{4542B8FD-B58F-4A40-AB07-6B63356AD746}" type="datetimeFigureOut">
               <a:rPr lang="en-CA" smtClean="0"/>
-              <a:t>2024-11-14</a:t>
+              <a:t>2024-11-22</a:t>
             </a:fld>
             <a:endParaRPr lang="en-CA"/>
           </a:p>
